--- a/Documents/Module_2_Project_Plan.pptx
+++ b/Documents/Module_2_Project_Plan.pptx
@@ -5,17 +5,18 @@
     <p:sldMasterId id="2147483648" r:id="rId1"/>
   </p:sldMasterIdLst>
   <p:notesMasterIdLst>
-    <p:notesMasterId r:id="rId10"/>
+    <p:notesMasterId r:id="rId11"/>
   </p:notesMasterIdLst>
   <p:sldIdLst>
     <p:sldId id="256" r:id="rId2"/>
     <p:sldId id="257" r:id="rId3"/>
     <p:sldId id="258" r:id="rId4"/>
-    <p:sldId id="259" r:id="rId5"/>
-    <p:sldId id="260" r:id="rId6"/>
-    <p:sldId id="261" r:id="rId7"/>
-    <p:sldId id="262" r:id="rId8"/>
-    <p:sldId id="263" r:id="rId9"/>
+    <p:sldId id="265" r:id="rId5"/>
+    <p:sldId id="259" r:id="rId6"/>
+    <p:sldId id="260" r:id="rId7"/>
+    <p:sldId id="261" r:id="rId8"/>
+    <p:sldId id="262" r:id="rId9"/>
+    <p:sldId id="264" r:id="rId10"/>
   </p:sldIdLst>
   <p:sldSz cx="9144000" cy="5143500" type="screen16x9"/>
   <p:notesSz cx="6858000" cy="9144000"/>
@@ -317,6 +318,11 @@
       </a:defRPr>
     </a:lvl9pPr>
   </p:defaultTextStyle>
+  <p:extLst>
+    <p:ext uri="{EFAFB233-063F-42B5-8137-9DF3F51BA10A}">
+      <p15:sldGuideLst xmlns:p15="http://schemas.microsoft.com/office/powerpoint/2012/main"/>
+    </p:ext>
+  </p:extLst>
 </p:presentation>
 </file>
 
@@ -741,6 +747,72 @@
     </a:lvl9pPr>
   </p:notesStyle>
 </p:notesMaster>
+</file>
+
+<file path=ppt/notesSlides/notesSlide1.xml><?xml version="1.0" encoding="utf-8"?>
+<p:notes xmlns:a="http://schemas.openxmlformats.org/drawingml/2006/main" xmlns:r="http://schemas.openxmlformats.org/officeDocument/2006/relationships" xmlns:p="http://schemas.openxmlformats.org/presentationml/2006/main">
+  <p:cSld>
+    <p:spTree>
+      <p:nvGrpSpPr>
+        <p:cNvPr id="1" name=""/>
+        <p:cNvGrpSpPr/>
+        <p:nvPr/>
+      </p:nvGrpSpPr>
+      <p:grpSpPr>
+        <a:xfrm>
+          <a:off x="0" y="0"/>
+          <a:ext cx="0" cy="0"/>
+          <a:chOff x="0" y="0"/>
+          <a:chExt cx="0" cy="0"/>
+        </a:xfrm>
+      </p:grpSpPr>
+      <p:sp>
+        <p:nvSpPr>
+          <p:cNvPr id="2" name="Slide Image Placeholder 1"/>
+          <p:cNvSpPr>
+            <a:spLocks noGrp="1" noRot="1" noChangeAspect="1"/>
+          </p:cNvSpPr>
+          <p:nvPr>
+            <p:ph type="sldImg"/>
+          </p:nvPr>
+        </p:nvSpPr>
+        <p:spPr>
+          <a:xfrm>
+            <a:off x="381000" y="685800"/>
+            <a:ext cx="6096000" cy="3429000"/>
+          </a:xfrm>
+        </p:spPr>
+      </p:sp>
+      <p:sp>
+        <p:nvSpPr>
+          <p:cNvPr id="3" name="Notes Placeholder 2"/>
+          <p:cNvSpPr>
+            <a:spLocks noGrp="1"/>
+          </p:cNvSpPr>
+          <p:nvPr>
+            <p:ph type="body" idx="1"/>
+          </p:nvPr>
+        </p:nvSpPr>
+        <p:spPr/>
+        <p:txBody>
+          <a:bodyPr/>
+          <a:lstStyle/>
+          <a:p>
+            <a:endParaRPr lang="en-CA" dirty="0"/>
+          </a:p>
+        </p:txBody>
+      </p:sp>
+    </p:spTree>
+    <p:extLst>
+      <p:ext uri="{BB962C8B-B14F-4D97-AF65-F5344CB8AC3E}">
+        <p14:creationId xmlns:p14="http://schemas.microsoft.com/office/powerpoint/2010/main" val="1452543887"/>
+      </p:ext>
+    </p:extLst>
+  </p:cSld>
+  <p:clrMapOvr>
+    <a:masterClrMapping/>
+  </p:clrMapOvr>
+</p:notes>
 </file>
 
 <file path=ppt/slideLayouts/slideLayout1.xml><?xml version="1.0" encoding="utf-8"?>
@@ -3956,8 +4028,8 @@
         </p:nvSpPr>
         <p:spPr>
           <a:xfrm>
-            <a:off x="205025" y="1083299"/>
-            <a:ext cx="8565600" cy="920086"/>
+            <a:off x="171850" y="1341647"/>
+            <a:ext cx="8565600" cy="870271"/>
           </a:xfrm>
           <a:prstGeom prst="rect">
             <a:avLst/>
@@ -3990,8 +4062,14 @@
           </a:lstStyle>
           <a:p>
             <a:r>
-              <a:t>Place headline insight or information here. This should be the most important point for this slide.</a:t>
-            </a:r>
+              <a:rPr lang="en-CA" u="sng" dirty="0"/>
+              <a:t>Objective</a:t>
+            </a:r>
+            <a:r>
+              <a:rPr lang="en-CA" dirty="0"/>
+              <a:t>: Perform customer segmentation analysis and identify the most valuable customers for marketing purposes. </a:t>
+            </a:r>
+            <a:endParaRPr dirty="0"/>
           </a:p>
         </p:txBody>
       </p:sp>
@@ -4003,8 +4081,8 @@
         </p:nvSpPr>
         <p:spPr>
           <a:xfrm>
-            <a:off x="205025" y="2164724"/>
-            <a:ext cx="4134600" cy="436851"/>
+            <a:off x="171850" y="2364958"/>
+            <a:ext cx="8631950" cy="1229728"/>
           </a:xfrm>
           <a:prstGeom prst="rect">
             <a:avLst/>
@@ -4019,7 +4097,7 @@
           </a:extLst>
         </p:spPr>
         <p:txBody>
-          <a:bodyPr lIns="91424" tIns="91424" rIns="91424" bIns="91424">
+          <a:bodyPr wrap="square" lIns="91424" tIns="91424" rIns="91424" bIns="91424">
             <a:spAutoFit/>
           </a:bodyPr>
           <a:lstStyle>
@@ -4037,113 +4115,54 @@
           </a:lstStyle>
           <a:p>
             <a:r>
-              <a:rPr dirty="0"/>
-              <a:t>Place any information about this point here.</a:t>
+              <a:rPr lang="en-CA" dirty="0"/>
+              <a:t>The project consists of 3 phases:</a:t>
+            </a:r>
+          </a:p>
+          <a:p>
+            <a:pPr marL="285750" indent="-285750">
+              <a:buFont typeface="Arial" panose="020B0604020202020204" pitchFamily="34" charset="0"/>
+              <a:buChar char="•"/>
+            </a:pPr>
+            <a:r>
+              <a:rPr lang="en-CA" b="1" u="sng" dirty="0"/>
+              <a:t>Phase 1: </a:t>
+            </a:r>
+            <a:r>
+              <a:rPr lang="en-CA" dirty="0"/>
+              <a:t>Data Exploration</a:t>
+            </a:r>
+          </a:p>
+          <a:p>
+            <a:pPr marL="285750" indent="-285750">
+              <a:buFont typeface="Arial" panose="020B0604020202020204" pitchFamily="34" charset="0"/>
+              <a:buChar char="•"/>
+            </a:pPr>
+            <a:r>
+              <a:rPr lang="en-CA" b="1" u="sng" dirty="0"/>
+              <a:t>Phase 2: </a:t>
+            </a:r>
+            <a:r>
+              <a:rPr lang="en-CA" dirty="0"/>
+              <a:t>Model Development</a:t>
+            </a:r>
+          </a:p>
+          <a:p>
+            <a:pPr marL="285750" indent="-285750">
+              <a:buFont typeface="Arial" panose="020B0604020202020204" pitchFamily="34" charset="0"/>
+              <a:buChar char="•"/>
+            </a:pPr>
+            <a:r>
+              <a:rPr lang="en-CA" b="1" u="sng" dirty="0"/>
+              <a:t>Phase 3: </a:t>
+            </a:r>
+            <a:r>
+              <a:rPr lang="en-CA" dirty="0"/>
+              <a:t>Results Interpretation</a:t>
             </a:r>
           </a:p>
         </p:txBody>
       </p:sp>
-      <p:grpSp>
-        <p:nvGrpSpPr>
-          <p:cNvPr id="127" name="Shape 74"/>
-          <p:cNvGrpSpPr/>
-          <p:nvPr/>
-        </p:nvGrpSpPr>
-        <p:grpSpPr>
-          <a:xfrm>
-            <a:off x="4969974" y="2164724"/>
-            <a:ext cx="3800702" cy="2649302"/>
-            <a:chOff x="0" y="0"/>
-            <a:chExt cx="3800700" cy="2649300"/>
-          </a:xfrm>
-        </p:grpSpPr>
-        <p:sp>
-          <p:nvSpPr>
-            <p:cNvPr id="125" name="Rectangle"/>
-            <p:cNvSpPr/>
-            <p:nvPr/>
-          </p:nvSpPr>
-          <p:spPr>
-            <a:xfrm>
-              <a:off x="-1" y="-1"/>
-              <a:ext cx="3800702" cy="2649302"/>
-            </a:xfrm>
-            <a:prstGeom prst="rect">
-              <a:avLst/>
-            </a:prstGeom>
-            <a:solidFill>
-              <a:srgbClr val="EEEEEE"/>
-            </a:solidFill>
-            <a:ln w="12700" cap="flat">
-              <a:noFill/>
-              <a:miter lim="400000"/>
-            </a:ln>
-            <a:effectLst/>
-          </p:spPr>
-          <p:txBody>
-            <a:bodyPr wrap="square" lIns="45719" tIns="45719" rIns="45719" bIns="45719" numCol="1" anchor="ctr">
-              <a:noAutofit/>
-            </a:bodyPr>
-            <a:lstStyle/>
-            <a:p>
-              <a:pPr algn="ctr">
-                <a:defRPr>
-                  <a:solidFill>
-                    <a:srgbClr val="666666"/>
-                  </a:solidFill>
-                </a:defRPr>
-              </a:pPr>
-              <a:endParaRPr/>
-            </a:p>
-          </p:txBody>
-        </p:sp>
-        <p:sp>
-          <p:nvSpPr>
-            <p:cNvPr id="126" name="Place any supporting images, graphs, data or extra text here."/>
-            <p:cNvSpPr/>
-            <p:nvPr/>
-          </p:nvSpPr>
-          <p:spPr>
-            <a:xfrm>
-              <a:off x="-1" y="1032933"/>
-              <a:ext cx="3800702" cy="583434"/>
-            </a:xfrm>
-            <a:prstGeom prst="rect">
-              <a:avLst/>
-            </a:prstGeom>
-            <a:noFill/>
-            <a:ln w="12700" cap="flat">
-              <a:noFill/>
-              <a:miter lim="400000"/>
-            </a:ln>
-            <a:effectLst/>
-            <a:extLst>
-              <a:ext uri="{C572A759-6A51-4108-AA02-DFA0A04FC94B}">
-                <ma14:wrappingTextBoxFlag xmlns:ma14="http://schemas.microsoft.com/office/mac/drawingml/2011/main" xmlns="" val="1"/>
-              </a:ext>
-            </a:extLst>
-          </p:spPr>
-          <p:txBody>
-            <a:bodyPr wrap="square" lIns="91424" tIns="91424" rIns="91424" bIns="91424" numCol="1" anchor="ctr">
-              <a:spAutoFit/>
-            </a:bodyPr>
-            <a:lstStyle>
-              <a:lvl1pPr algn="ctr">
-                <a:defRPr>
-                  <a:solidFill>
-                    <a:srgbClr val="666666"/>
-                  </a:solidFill>
-                </a:defRPr>
-              </a:lvl1pPr>
-            </a:lstStyle>
-            <a:p>
-              <a:r>
-                <a:t>Place any supporting images, graphs, data or extra text here.</a:t>
-              </a:r>
-            </a:p>
-          </p:txBody>
-        </p:sp>
-      </p:grpSp>
       <p:sp>
         <p:nvSpPr>
           <p:cNvPr id="128" name="Note: The data and information in this document is reflective of a hypothetical situation and client. This document is to be used for KPMG Virtual Internship purposes only."/>
@@ -4202,6 +4221,334 @@
 </file>
 
 <file path=ppt/slides/slide4.xml><?xml version="1.0" encoding="utf-8"?>
+<p:sld xmlns:a="http://schemas.openxmlformats.org/drawingml/2006/main" xmlns:r="http://schemas.openxmlformats.org/officeDocument/2006/relationships" xmlns:p="http://schemas.openxmlformats.org/presentationml/2006/main">
+  <p:cSld>
+    <p:spTree>
+      <p:nvGrpSpPr>
+        <p:cNvPr id="1" name=""/>
+        <p:cNvGrpSpPr/>
+        <p:nvPr/>
+      </p:nvGrpSpPr>
+      <p:grpSpPr>
+        <a:xfrm>
+          <a:off x="0" y="0"/>
+          <a:ext cx="0" cy="0"/>
+          <a:chOff x="0" y="0"/>
+          <a:chExt cx="0" cy="0"/>
+        </a:xfrm>
+      </p:grpSpPr>
+      <p:sp>
+        <p:nvSpPr>
+          <p:cNvPr id="121" name="Shape 70"/>
+          <p:cNvSpPr/>
+          <p:nvPr/>
+        </p:nvSpPr>
+        <p:spPr>
+          <a:xfrm>
+            <a:off x="-15501" y="-19475"/>
+            <a:ext cx="9191402" cy="840000"/>
+          </a:xfrm>
+          <a:prstGeom prst="rect">
+            <a:avLst/>
+          </a:prstGeom>
+          <a:gradFill>
+            <a:gsLst>
+              <a:gs pos="0">
+                <a:srgbClr val="1077D2"/>
+              </a:gs>
+              <a:gs pos="100000">
+                <a:srgbClr val="093153"/>
+              </a:gs>
+            </a:gsLst>
+            <a:lin ang="12000143"/>
+          </a:gradFill>
+          <a:ln w="12700">
+            <a:miter lim="400000"/>
+          </a:ln>
+        </p:spPr>
+        <p:txBody>
+          <a:bodyPr lIns="45719" rIns="45719" anchor="ctr"/>
+          <a:lstStyle/>
+          <a:p>
+            <a:endParaRPr/>
+          </a:p>
+        </p:txBody>
+      </p:sp>
+      <p:sp>
+        <p:nvSpPr>
+          <p:cNvPr id="122" name="Shape 71"/>
+          <p:cNvSpPr/>
+          <p:nvPr/>
+        </p:nvSpPr>
+        <p:spPr>
+          <a:xfrm>
+            <a:off x="205025" y="263974"/>
+            <a:ext cx="8565600" cy="492410"/>
+          </a:xfrm>
+          <a:prstGeom prst="rect">
+            <a:avLst/>
+          </a:prstGeom>
+          <a:ln w="12700">
+            <a:miter lim="400000"/>
+          </a:ln>
+          <a:extLst>
+            <a:ext uri="{C572A759-6A51-4108-AA02-DFA0A04FC94B}">
+              <ma14:wrappingTextBoxFlag xmlns="" xmlns:ma14="http://schemas.microsoft.com/office/mac/drawingml/2011/main" val="1"/>
+            </a:ext>
+          </a:extLst>
+        </p:spPr>
+        <p:txBody>
+          <a:bodyPr lIns="91424" tIns="91424" rIns="91424" bIns="91424">
+            <a:spAutoFit/>
+          </a:bodyPr>
+          <a:lstStyle>
+            <a:lvl1pPr>
+              <a:defRPr sz="2000" b="1">
+                <a:solidFill>
+                  <a:srgbClr val="FFFFFF"/>
+                </a:solidFill>
+              </a:defRPr>
+            </a:lvl1pPr>
+          </a:lstStyle>
+          <a:p>
+            <a:r>
+              <a:rPr lang="en-CA" dirty="0"/>
+              <a:t>Detailed Work Plan</a:t>
+            </a:r>
+            <a:endParaRPr dirty="0"/>
+          </a:p>
+        </p:txBody>
+      </p:sp>
+      <p:sp>
+        <p:nvSpPr>
+          <p:cNvPr id="128" name="Note: The data and information in this document is reflective of a hypothetical situation and client. This document is to be used for KPMG Virtual Internship purposes only."/>
+          <p:cNvSpPr/>
+          <p:nvPr/>
+        </p:nvSpPr>
+        <p:spPr>
+          <a:xfrm>
+            <a:off x="-6201" y="-6350"/>
+            <a:ext cx="9175601" cy="238700"/>
+          </a:xfrm>
+          <a:prstGeom prst="rect">
+            <a:avLst/>
+          </a:prstGeom>
+          <a:solidFill>
+            <a:schemeClr val="accent3"/>
+          </a:solidFill>
+          <a:ln w="12700">
+            <a:miter lim="400000"/>
+          </a:ln>
+          <a:extLst>
+            <a:ext uri="{C572A759-6A51-4108-AA02-DFA0A04FC94B}">
+              <ma14:wrappingTextBoxFlag xmlns="" xmlns:ma14="http://schemas.microsoft.com/office/mac/drawingml/2011/main" val="1"/>
+            </a:ext>
+          </a:extLst>
+        </p:spPr>
+        <p:txBody>
+          <a:bodyPr lIns="45719" rIns="45719" anchor="ctr"/>
+          <a:lstStyle/>
+          <a:p>
+            <a:pPr defTabSz="457200">
+              <a:defRPr sz="500" b="1">
+                <a:latin typeface="Calibri"/>
+                <a:ea typeface="Calibri"/>
+                <a:cs typeface="Calibri"/>
+                <a:sym typeface="Calibri"/>
+              </a:defRPr>
+            </a:pPr>
+            <a:r>
+              <a:t>       Note: </a:t>
+            </a:r>
+            <a:r>
+              <a:rPr b="0"/>
+              <a:t>The data and information in this document is reflective of a hypothetical situation and client. This document is to be used for KPMG Virtual Internship purposes only. </a:t>
+            </a:r>
+          </a:p>
+        </p:txBody>
+      </p:sp>
+      <p:sp>
+        <p:nvSpPr>
+          <p:cNvPr id="39" name="Shape 72">
+            <a:extLst>
+              <a:ext uri="{FF2B5EF4-FFF2-40B4-BE49-F238E27FC236}">
+                <a16:creationId xmlns:a16="http://schemas.microsoft.com/office/drawing/2014/main" id="{C076D63A-99EB-4D1B-9956-A6E0F060E049}"/>
+              </a:ext>
+            </a:extLst>
+          </p:cNvPr>
+          <p:cNvSpPr/>
+          <p:nvPr/>
+        </p:nvSpPr>
+        <p:spPr>
+          <a:xfrm>
+            <a:off x="295275" y="840124"/>
+            <a:ext cx="8824675" cy="416813"/>
+          </a:xfrm>
+          <a:prstGeom prst="rect">
+            <a:avLst/>
+          </a:prstGeom>
+          <a:ln w="12700">
+            <a:miter lim="400000"/>
+          </a:ln>
+          <a:extLst>
+            <a:ext uri="{C572A759-6A51-4108-AA02-DFA0A04FC94B}">
+              <ma14:wrappingTextBoxFlag xmlns:ma14="http://schemas.microsoft.com/office/mac/drawingml/2011/main" xmlns="" val="1"/>
+            </a:ext>
+          </a:extLst>
+        </p:spPr>
+        <p:txBody>
+          <a:bodyPr wrap="square" lIns="91424" tIns="91424" rIns="91424" bIns="91424">
+            <a:spAutoFit/>
+          </a:bodyPr>
+          <a:lstStyle>
+            <a:lvl1pPr>
+              <a:lnSpc>
+                <a:spcPct val="115000"/>
+              </a:lnSpc>
+              <a:defRPr sz="2000" b="1">
+                <a:latin typeface="Open Sans"/>
+                <a:ea typeface="Open Sans"/>
+                <a:cs typeface="Open Sans"/>
+                <a:sym typeface="Open Sans"/>
+              </a:defRPr>
+            </a:lvl1pPr>
+          </a:lstStyle>
+          <a:p>
+            <a:r>
+              <a:rPr lang="en-CA" sz="1400" b="0" dirty="0"/>
+              <a:t>- The 3 phases are broken down into smaller tasks as shown below:</a:t>
+            </a:r>
+            <a:endParaRPr sz="1400" b="0" dirty="0"/>
+          </a:p>
+        </p:txBody>
+      </p:sp>
+      <p:pic>
+        <p:nvPicPr>
+          <p:cNvPr id="4" name="Picture 3">
+            <a:extLst>
+              <a:ext uri="{FF2B5EF4-FFF2-40B4-BE49-F238E27FC236}">
+                <a16:creationId xmlns:a16="http://schemas.microsoft.com/office/drawing/2014/main" id="{DBE57186-C0DC-4731-A35C-7BB237D5C29E}"/>
+              </a:ext>
+            </a:extLst>
+          </p:cNvPr>
+          <p:cNvPicPr>
+            <a:picLocks noChangeAspect="1"/>
+          </p:cNvPicPr>
+          <p:nvPr/>
+        </p:nvPicPr>
+        <p:blipFill>
+          <a:blip r:embed="rId3"/>
+          <a:stretch>
+            <a:fillRect/>
+          </a:stretch>
+        </p:blipFill>
+        <p:spPr>
+          <a:xfrm>
+            <a:off x="60067" y="1214729"/>
+            <a:ext cx="9029700" cy="3926768"/>
+          </a:xfrm>
+          <a:prstGeom prst="rect">
+            <a:avLst/>
+          </a:prstGeom>
+        </p:spPr>
+      </p:pic>
+      <p:sp>
+        <p:nvSpPr>
+          <p:cNvPr id="5" name="TextBox 4">
+            <a:extLst>
+              <a:ext uri="{FF2B5EF4-FFF2-40B4-BE49-F238E27FC236}">
+                <a16:creationId xmlns:a16="http://schemas.microsoft.com/office/drawing/2014/main" id="{5FB73CE9-50F8-4E02-BC85-82C7827C0F35}"/>
+              </a:ext>
+            </a:extLst>
+          </p:cNvPr>
+          <p:cNvSpPr txBox="1"/>
+          <p:nvPr/>
+        </p:nvSpPr>
+        <p:spPr>
+          <a:xfrm>
+            <a:off x="5833955" y="4924425"/>
+            <a:ext cx="3195745" cy="230830"/>
+          </a:xfrm>
+          <a:prstGeom prst="rect">
+            <a:avLst/>
+          </a:prstGeom>
+          <a:noFill/>
+          <a:ln w="12700" cap="flat">
+            <a:noFill/>
+            <a:miter lim="400000"/>
+          </a:ln>
+          <a:effectLst/>
+          <a:sp3d/>
+        </p:spPr>
+        <p:style>
+          <a:lnRef idx="0">
+            <a:scrgbClr r="0" g="0" b="0"/>
+          </a:lnRef>
+          <a:fillRef idx="0">
+            <a:scrgbClr r="0" g="0" b="0"/>
+          </a:fillRef>
+          <a:effectRef idx="0">
+            <a:scrgbClr r="0" g="0" b="0"/>
+          </a:effectRef>
+          <a:fontRef idx="none"/>
+        </p:style>
+        <p:txBody>
+          <a:bodyPr rot="0" spcFirstLastPara="1" vertOverflow="overflow" horzOverflow="overflow" vert="horz" wrap="none" lIns="45719" tIns="45719" rIns="45719" bIns="45719" numCol="1" spcCol="38100" rtlCol="0" anchor="t">
+            <a:spAutoFit/>
+          </a:bodyPr>
+          <a:lstStyle/>
+          <a:p>
+            <a:pPr marL="0" marR="0" indent="0" algn="l" defTabSz="914400" rtl="0" fontAlgn="auto" latinLnBrk="0" hangingPunct="0">
+              <a:lnSpc>
+                <a:spcPct val="100000"/>
+              </a:lnSpc>
+              <a:spcBef>
+                <a:spcPts val="0"/>
+              </a:spcBef>
+              <a:spcAft>
+                <a:spcPts val="0"/>
+              </a:spcAft>
+              <a:buClrTx/>
+              <a:buSzTx/>
+              <a:buFontTx/>
+              <a:buNone/>
+              <a:tabLst/>
+            </a:pPr>
+            <a:r>
+              <a:rPr kumimoji="0" lang="en-CA" sz="900" b="0" i="1" u="none" strike="noStrike" cap="none" spc="0" normalizeH="0" baseline="0" dirty="0">
+                <a:ln>
+                  <a:noFill/>
+                </a:ln>
+                <a:solidFill>
+                  <a:srgbClr val="000000"/>
+                </a:solidFill>
+                <a:effectLst/>
+                <a:uFillTx/>
+                <a:latin typeface="+mn-lt"/>
+                <a:ea typeface="+mn-ea"/>
+                <a:cs typeface="+mn-cs"/>
+                <a:sym typeface="Arial"/>
+              </a:rPr>
+              <a:t>Notice: Module 2 will take up the majority of the project work.</a:t>
+            </a:r>
+          </a:p>
+        </p:txBody>
+      </p:sp>
+    </p:spTree>
+    <p:extLst>
+      <p:ext uri="{BB962C8B-B14F-4D97-AF65-F5344CB8AC3E}">
+        <p14:creationId xmlns:p14="http://schemas.microsoft.com/office/powerpoint/2010/main" val="1195678150"/>
+      </p:ext>
+    </p:extLst>
+  </p:cSld>
+  <p:clrMapOvr>
+    <a:masterClrMapping/>
+  </p:clrMapOvr>
+  <p:transition spd="med"/>
+</p:sld>
+</file>
+
+<file path=ppt/slides/slide5.xml><?xml version="1.0" encoding="utf-8"?>
 <p:sld xmlns:a="http://schemas.openxmlformats.org/drawingml/2006/main" xmlns:r="http://schemas.openxmlformats.org/officeDocument/2006/relationships" xmlns:p="http://schemas.openxmlformats.org/presentationml/2006/main">
   <p:cSld>
     <p:spTree>
@@ -4264,7 +4611,7 @@
         <p:spPr>
           <a:xfrm>
             <a:off x="205025" y="263974"/>
-            <a:ext cx="8565600" cy="466642"/>
+            <a:ext cx="8565600" cy="492410"/>
           </a:xfrm>
           <a:prstGeom prst="rect">
             <a:avLst/>
@@ -4293,6 +4640,11 @@
           </a:lstStyle>
           <a:p>
             <a:r>
+              <a:rPr lang="en-CA" dirty="0"/>
+              <a:t>Phase 1: </a:t>
+            </a:r>
+            <a:r>
+              <a:rPr dirty="0"/>
               <a:t>Data Exploration</a:t>
             </a:r>
           </a:p>
@@ -4341,7 +4693,7 @@
           <a:p>
             <a:r>
               <a:rPr lang="en-CA" dirty="0"/>
-              <a:t>Phase 1: Explore and Understand Data Prior to Model Development</a:t>
+              <a:t>Explore and Understand Data Prior to Model Development</a:t>
             </a:r>
             <a:endParaRPr dirty="0"/>
           </a:p>
@@ -4355,8 +4707,8 @@
         </p:nvSpPr>
         <p:spPr>
           <a:xfrm>
-            <a:off x="205024" y="2164724"/>
-            <a:ext cx="8717519" cy="1760642"/>
+            <a:off x="205023" y="1717536"/>
+            <a:ext cx="8717519" cy="2822472"/>
           </a:xfrm>
           <a:prstGeom prst="rect">
             <a:avLst/>
@@ -4394,11 +4746,11 @@
             </a:pPr>
             <a:r>
               <a:rPr lang="en-CA" b="1" u="sng" dirty="0"/>
-              <a:t>Data Cleaning: </a:t>
+              <a:t>Data Cleaning:</a:t>
             </a:r>
             <a:r>
               <a:rPr lang="en-CA" dirty="0"/>
-              <a:t>deal with missing values, noises, data inconsistencies, remove duplicates, filter outliers, etc.</a:t>
+              <a:t> simplify job title to categories, deal with missing values, noises, data inconsistencies, remove duplicates, filter outliers, etc.</a:t>
             </a:r>
           </a:p>
           <a:p>
@@ -4408,11 +4760,11 @@
             </a:pPr>
             <a:r>
               <a:rPr lang="en-CA" b="1" u="sng" dirty="0"/>
-              <a:t>Data Transformation: </a:t>
+              <a:t>Data Transformation:</a:t>
             </a:r>
             <a:r>
               <a:rPr lang="en-CA" dirty="0"/>
-              <a:t>Pivot, normalization, discretization/ binning, aggregation.</a:t>
+              <a:t> pivot, normalization, discretization/ binning, aggregation.</a:t>
             </a:r>
           </a:p>
           <a:p>
@@ -4422,11 +4774,11 @@
             </a:pPr>
             <a:r>
               <a:rPr lang="en-CA" b="1" u="sng" dirty="0"/>
-              <a:t>Data Exploration: </a:t>
+              <a:t>Feature Engineering: </a:t>
             </a:r>
             <a:r>
               <a:rPr lang="en-CA" dirty="0"/>
-              <a:t>Statistical summary, correlations, distributions, clusters, etc.</a:t>
+              <a:t>create new features that are applicable to marketing strategies. **</a:t>
             </a:r>
           </a:p>
           <a:p>
@@ -4436,11 +4788,19 @@
             </a:pPr>
             <a:r>
               <a:rPr lang="en-CA" b="1" u="sng" dirty="0"/>
-              <a:t>Feature Engineering: </a:t>
+              <a:t>Preprocessing:</a:t>
             </a:r>
             <a:r>
               <a:rPr lang="en-CA" dirty="0"/>
-              <a:t>create new features that are applicable to marketing strategies. </a:t>
+              <a:t> combine all clean datasets, drop irrelevant columns, features scaling, </a:t>
+            </a:r>
+            <a:r>
+              <a:rPr lang="en-CA" dirty="0" err="1"/>
+              <a:t>get_dummies</a:t>
+            </a:r>
+            <a:r>
+              <a:rPr lang="en-CA" dirty="0"/>
+              <a:t> for categorical features.</a:t>
             </a:r>
           </a:p>
           <a:p>
@@ -4450,12 +4810,46 @@
             </a:pPr>
             <a:r>
               <a:rPr lang="en-CA" b="1" u="sng" dirty="0"/>
-              <a:t>Feature Extraction: </a:t>
+              <a:t>Feature Extraction:</a:t>
             </a:r>
             <a:r>
               <a:rPr lang="en-CA" dirty="0"/>
-              <a:t>Dimension reduction (PCA), feature selection. </a:t>
-            </a:r>
+              <a:t> dimension reduction (PCA), feature selection.</a:t>
+            </a:r>
+          </a:p>
+          <a:p>
+            <a:pPr marL="285750" indent="-285750">
+              <a:buFont typeface="Arial" panose="020B0604020202020204" pitchFamily="34" charset="0"/>
+              <a:buChar char="•"/>
+            </a:pPr>
+            <a:r>
+              <a:rPr lang="en-CA" b="1" u="sng" dirty="0"/>
+              <a:t>Data Exploration:</a:t>
+            </a:r>
+            <a:r>
+              <a:rPr lang="en-CA" dirty="0"/>
+              <a:t> statistical summary, correlations, distributions, clusters, etc.</a:t>
+            </a:r>
+          </a:p>
+          <a:p>
+            <a:pPr marL="285750" indent="-285750">
+              <a:buFont typeface="Arial" panose="020B0604020202020204" pitchFamily="34" charset="0"/>
+              <a:buChar char="•"/>
+            </a:pPr>
+            <a:r>
+              <a:rPr lang="en-CA" b="1" u="sng" dirty="0"/>
+              <a:t>Visualization</a:t>
+            </a:r>
+            <a:r>
+              <a:rPr lang="en-CA" dirty="0"/>
+              <a:t>: dashboard visualization on training data set using Power BI (Optional)</a:t>
+            </a:r>
+          </a:p>
+          <a:p>
+            <a:pPr marL="285750" indent="-285750">
+              <a:buFont typeface="Arial" panose="020B0604020202020204" pitchFamily="34" charset="0"/>
+              <a:buChar char="•"/>
+            </a:pPr>
             <a:endParaRPr dirty="0"/>
           </a:p>
         </p:txBody>
@@ -4508,6 +4902,88 @@
           </a:p>
         </p:txBody>
       </p:sp>
+      <p:sp>
+        <p:nvSpPr>
+          <p:cNvPr id="2" name="TextBox 1">
+            <a:extLst>
+              <a:ext uri="{FF2B5EF4-FFF2-40B4-BE49-F238E27FC236}">
+                <a16:creationId xmlns:a16="http://schemas.microsoft.com/office/drawing/2014/main" id="{AE0167E0-34B7-4384-A399-645DA0908E7D}"/>
+              </a:ext>
+            </a:extLst>
+          </p:cNvPr>
+          <p:cNvSpPr txBox="1"/>
+          <p:nvPr/>
+        </p:nvSpPr>
+        <p:spPr>
+          <a:xfrm>
+            <a:off x="400467" y="4692140"/>
+            <a:ext cx="2778964" cy="246219"/>
+          </a:xfrm>
+          <a:prstGeom prst="rect">
+            <a:avLst/>
+          </a:prstGeom>
+          <a:noFill/>
+          <a:ln w="12700" cap="flat">
+            <a:noFill/>
+            <a:miter lim="400000"/>
+          </a:ln>
+          <a:effectLst/>
+          <a:sp3d/>
+        </p:spPr>
+        <p:style>
+          <a:lnRef idx="0">
+            <a:scrgbClr r="0" g="0" b="0"/>
+          </a:lnRef>
+          <a:fillRef idx="0">
+            <a:scrgbClr r="0" g="0" b="0"/>
+          </a:fillRef>
+          <a:effectRef idx="0">
+            <a:scrgbClr r="0" g="0" b="0"/>
+          </a:effectRef>
+          <a:fontRef idx="none"/>
+        </p:style>
+        <p:txBody>
+          <a:bodyPr rot="0" spcFirstLastPara="1" vertOverflow="overflow" horzOverflow="overflow" vert="horz" wrap="none" lIns="45719" tIns="45719" rIns="45719" bIns="45719" numCol="1" spcCol="38100" rtlCol="0" anchor="t">
+            <a:spAutoFit/>
+          </a:bodyPr>
+          <a:lstStyle/>
+          <a:p>
+            <a:pPr marL="0" marR="0" indent="0" algn="l" defTabSz="914400" rtl="0" fontAlgn="auto" latinLnBrk="0" hangingPunct="0">
+              <a:lnSpc>
+                <a:spcPct val="100000"/>
+              </a:lnSpc>
+              <a:spcBef>
+                <a:spcPts val="0"/>
+              </a:spcBef>
+              <a:spcAft>
+                <a:spcPts val="0"/>
+              </a:spcAft>
+              <a:buClrTx/>
+              <a:buSzTx/>
+              <a:buFontTx/>
+              <a:buNone/>
+              <a:tabLst/>
+            </a:pPr>
+            <a:r>
+              <a:rPr kumimoji="0" lang="en-CA" sz="1000" b="0" i="1" u="none" strike="noStrike" cap="none" spc="0" normalizeH="0" baseline="0" dirty="0">
+                <a:ln>
+                  <a:noFill/>
+                </a:ln>
+                <a:solidFill>
+                  <a:srgbClr val="000000"/>
+                </a:solidFill>
+                <a:effectLst/>
+                <a:uFillTx/>
+                <a:latin typeface="+mn-lt"/>
+                <a:ea typeface="+mn-ea"/>
+                <a:cs typeface="+mn-cs"/>
+                <a:sym typeface="Arial"/>
+              </a:rPr>
+              <a:t>** See appendix A for new features to be added</a:t>
+            </a:r>
+          </a:p>
+        </p:txBody>
+      </p:sp>
     </p:spTree>
   </p:cSld>
   <p:clrMapOvr>
@@ -4517,7 +4993,7 @@
 </p:sld>
 </file>
 
-<file path=ppt/slides/slide5.xml><?xml version="1.0" encoding="utf-8"?>
+<file path=ppt/slides/slide6.xml><?xml version="1.0" encoding="utf-8"?>
 <p:sld xmlns:a="http://schemas.openxmlformats.org/drawingml/2006/main" xmlns:r="http://schemas.openxmlformats.org/officeDocument/2006/relationships" xmlns:p="http://schemas.openxmlformats.org/presentationml/2006/main">
   <p:cSld>
     <p:spTree>
@@ -4732,8 +5208,8 @@
         </p:nvSpPr>
         <p:spPr>
           <a:xfrm>
-            <a:off x="205024" y="2164724"/>
-            <a:ext cx="8717519" cy="433356"/>
+            <a:off x="205024" y="1953570"/>
+            <a:ext cx="8717519" cy="2822472"/>
           </a:xfrm>
           <a:prstGeom prst="rect">
             <a:avLst/>
@@ -4771,16 +5247,110 @@
             </a:pPr>
             <a:r>
               <a:rPr lang="en-CA" b="1" u="sng" dirty="0"/>
-              <a:t>Pre-processing:</a:t>
+              <a:t>Rescale:</a:t>
             </a:r>
             <a:r>
               <a:rPr lang="en-CA" dirty="0"/>
-              <a:t> </a:t>
-            </a:r>
-            <a:r>
-              <a:rPr lang="en-CA"/>
-              <a:t>Feature scaling, </a:t>
-            </a:r>
+              <a:t> Rescale remaining features after feature selection.</a:t>
+            </a:r>
+          </a:p>
+          <a:p>
+            <a:pPr marL="285750" indent="-285750">
+              <a:buFont typeface="Arial" panose="020B0604020202020204" pitchFamily="34" charset="0"/>
+              <a:buChar char="•"/>
+            </a:pPr>
+            <a:r>
+              <a:rPr lang="en-CA" b="1" u="sng" dirty="0"/>
+              <a:t>Algorithms selection</a:t>
+            </a:r>
+            <a:r>
+              <a:rPr lang="en-CA" dirty="0"/>
+              <a:t>: with </a:t>
+            </a:r>
+            <a:r>
+              <a:rPr lang="en-CA" dirty="0" err="1"/>
+              <a:t>PyCaret</a:t>
+            </a:r>
+            <a:r>
+              <a:rPr lang="en-CA" dirty="0"/>
+              <a:t>.</a:t>
+            </a:r>
+          </a:p>
+          <a:p>
+            <a:pPr marL="285750" indent="-285750">
+              <a:buFont typeface="Arial" panose="020B0604020202020204" pitchFamily="34" charset="0"/>
+              <a:buChar char="•"/>
+            </a:pPr>
+            <a:r>
+              <a:rPr lang="en-CA" b="1" u="sng" dirty="0"/>
+              <a:t>Models training and testing: </a:t>
+            </a:r>
+            <a:r>
+              <a:rPr lang="en-CA" dirty="0"/>
+              <a:t>with 80/20 train/test split.</a:t>
+            </a:r>
+          </a:p>
+          <a:p>
+            <a:pPr marL="285750" indent="-285750">
+              <a:buFont typeface="Arial" panose="020B0604020202020204" pitchFamily="34" charset="0"/>
+              <a:buChar char="•"/>
+            </a:pPr>
+            <a:r>
+              <a:rPr lang="en-CA" b="1" u="sng" dirty="0"/>
+              <a:t>Models evaluation and comparison: </a:t>
+            </a:r>
+            <a:r>
+              <a:rPr lang="en-CA" dirty="0"/>
+              <a:t>K-fold CV, confusion matrix, accuracy, recall, precision, F1 score, AUC/ ROC.</a:t>
+            </a:r>
+          </a:p>
+          <a:p>
+            <a:pPr marL="285750" indent="-285750">
+              <a:buFont typeface="Arial" panose="020B0604020202020204" pitchFamily="34" charset="0"/>
+              <a:buChar char="•"/>
+            </a:pPr>
+            <a:r>
+              <a:rPr lang="en-CA" b="1" u="sng" dirty="0"/>
+              <a:t>Best model selection and tuning: </a:t>
+            </a:r>
+            <a:r>
+              <a:rPr lang="en-CA" dirty="0"/>
+              <a:t>Grid Search Tuning.</a:t>
+            </a:r>
+          </a:p>
+          <a:p>
+            <a:pPr marL="285750" indent="-285750">
+              <a:buFont typeface="Arial" panose="020B0604020202020204" pitchFamily="34" charset="0"/>
+              <a:buChar char="•"/>
+            </a:pPr>
+            <a:r>
+              <a:rPr lang="en-CA" b="1" u="sng" dirty="0"/>
+              <a:t>Features addition: </a:t>
+            </a:r>
+            <a:r>
+              <a:rPr lang="en-CA" dirty="0"/>
+              <a:t>Get more data from ABS if model performance needs to be improved (Optional)</a:t>
+            </a:r>
+          </a:p>
+          <a:p>
+            <a:pPr marL="285750" indent="-285750">
+              <a:buFont typeface="Arial" panose="020B0604020202020204" pitchFamily="34" charset="0"/>
+              <a:buChar char="•"/>
+            </a:pPr>
+            <a:r>
+              <a:rPr lang="en-CA" b="1" u="sng" dirty="0"/>
+              <a:t>Model deployment: </a:t>
+            </a:r>
+            <a:r>
+              <a:rPr lang="en-CA" dirty="0"/>
+              <a:t>Deploy and serve model on web app (Optional)</a:t>
+            </a:r>
+          </a:p>
+          <a:p>
+            <a:pPr marL="285750" indent="-285750">
+              <a:buFont typeface="Arial" panose="020B0604020202020204" pitchFamily="34" charset="0"/>
+              <a:buChar char="•"/>
+            </a:pPr>
             <a:endParaRPr dirty="0"/>
           </a:p>
         </p:txBody>
@@ -4794,7 +5364,7 @@
 </p:sld>
 </file>
 
-<file path=ppt/slides/slide6.xml><?xml version="1.0" encoding="utf-8"?>
+<file path=ppt/slides/slide7.xml><?xml version="1.0" encoding="utf-8"?>
 <p:sld xmlns:a="http://schemas.openxmlformats.org/drawingml/2006/main" xmlns:r="http://schemas.openxmlformats.org/officeDocument/2006/relationships" xmlns:p="http://schemas.openxmlformats.org/presentationml/2006/main">
   <p:cSld>
     <p:spTree>
@@ -4900,7 +5470,7 @@
         <p:spPr>
           <a:xfrm>
             <a:off x="205025" y="1083299"/>
-            <a:ext cx="8565600" cy="920086"/>
+            <a:ext cx="8565600" cy="516327"/>
           </a:xfrm>
           <a:prstGeom prst="rect">
             <a:avLst/>
@@ -4933,8 +5503,10 @@
           </a:lstStyle>
           <a:p>
             <a:r>
-              <a:t>Place headline insight or information here. This should be the most important point for this slide.</a:t>
-            </a:r>
+              <a:rPr lang="en-CA" dirty="0"/>
+              <a:t>Phase 3: Results Evaluation and Interpretation</a:t>
+            </a:r>
+            <a:endParaRPr dirty="0"/>
           </a:p>
         </p:txBody>
       </p:sp>
@@ -4946,8 +5518,8 @@
         </p:nvSpPr>
         <p:spPr>
           <a:xfrm>
-            <a:off x="205025" y="2164724"/>
-            <a:ext cx="4134600" cy="436851"/>
+            <a:off x="205024" y="2164724"/>
+            <a:ext cx="8491787" cy="1229728"/>
           </a:xfrm>
           <a:prstGeom prst="rect">
             <a:avLst/>
@@ -4962,7 +5534,7 @@
           </a:extLst>
         </p:spPr>
         <p:txBody>
-          <a:bodyPr lIns="91424" tIns="91424" rIns="91424" bIns="91424">
+          <a:bodyPr wrap="square" lIns="91424" tIns="91424" rIns="91424" bIns="91424">
             <a:spAutoFit/>
           </a:bodyPr>
           <a:lstStyle>
@@ -4979,113 +5551,46 @@
             </a:lvl1pPr>
           </a:lstStyle>
           <a:p>
-            <a:r>
-              <a:t>Place any information about this point here.</a:t>
-            </a:r>
+            <a:pPr marL="285750" indent="-285750">
+              <a:buFont typeface="Arial" panose="020B0604020202020204" pitchFamily="34" charset="0"/>
+              <a:buChar char="•"/>
+            </a:pPr>
+            <a:r>
+              <a:rPr lang="en-CA" b="1" u="sng" dirty="0"/>
+              <a:t>Results Evaluation</a:t>
+            </a:r>
+            <a:r>
+              <a:rPr lang="en-CA" dirty="0"/>
+              <a:t>: apply the model to the New Customers dataset and compare the predicted results with the “Rank” column provided.</a:t>
+            </a:r>
+          </a:p>
+          <a:p>
+            <a:pPr marL="285750" indent="-285750">
+              <a:buFont typeface="Arial" panose="020B0604020202020204" pitchFamily="34" charset="0"/>
+              <a:buChar char="•"/>
+            </a:pPr>
+            <a:r>
+              <a:rPr lang="en-CA" b="1" u="sng" dirty="0"/>
+              <a:t>Visualization</a:t>
+            </a:r>
+            <a:r>
+              <a:rPr lang="en-CA" dirty="0"/>
+              <a:t>: visualize results using Power BI dashboards.</a:t>
+            </a:r>
+          </a:p>
+          <a:p>
+            <a:pPr marL="285750" indent="-285750">
+              <a:buFont typeface="Arial" panose="020B0604020202020204" pitchFamily="34" charset="0"/>
+              <a:buChar char="•"/>
+            </a:pPr>
+            <a:r>
+              <a:rPr lang="en-CA" b="1" u="sng" dirty="0"/>
+              <a:t>Report</a:t>
+            </a:r>
+            <a:endParaRPr b="1" u="sng" dirty="0"/>
           </a:p>
         </p:txBody>
       </p:sp>
-      <p:grpSp>
-        <p:nvGrpSpPr>
-          <p:cNvPr id="154" name="Shape 101"/>
-          <p:cNvGrpSpPr/>
-          <p:nvPr/>
-        </p:nvGrpSpPr>
-        <p:grpSpPr>
-          <a:xfrm>
-            <a:off x="4969974" y="2164724"/>
-            <a:ext cx="3800702" cy="2649302"/>
-            <a:chOff x="0" y="0"/>
-            <a:chExt cx="3800700" cy="2649300"/>
-          </a:xfrm>
-        </p:grpSpPr>
-        <p:sp>
-          <p:nvSpPr>
-            <p:cNvPr id="152" name="Rectangle"/>
-            <p:cNvSpPr/>
-            <p:nvPr/>
-          </p:nvSpPr>
-          <p:spPr>
-            <a:xfrm>
-              <a:off x="-1" y="-1"/>
-              <a:ext cx="3800702" cy="2649302"/>
-            </a:xfrm>
-            <a:prstGeom prst="rect">
-              <a:avLst/>
-            </a:prstGeom>
-            <a:solidFill>
-              <a:srgbClr val="EEEEEE"/>
-            </a:solidFill>
-            <a:ln w="12700" cap="flat">
-              <a:noFill/>
-              <a:miter lim="400000"/>
-            </a:ln>
-            <a:effectLst/>
-          </p:spPr>
-          <p:txBody>
-            <a:bodyPr wrap="square" lIns="45719" tIns="45719" rIns="45719" bIns="45719" numCol="1" anchor="ctr">
-              <a:noAutofit/>
-            </a:bodyPr>
-            <a:lstStyle/>
-            <a:p>
-              <a:pPr algn="ctr">
-                <a:defRPr>
-                  <a:solidFill>
-                    <a:srgbClr val="666666"/>
-                  </a:solidFill>
-                </a:defRPr>
-              </a:pPr>
-              <a:endParaRPr/>
-            </a:p>
-          </p:txBody>
-        </p:sp>
-        <p:sp>
-          <p:nvSpPr>
-            <p:cNvPr id="153" name="Place any supporting images, graphs, data or extra text here."/>
-            <p:cNvSpPr/>
-            <p:nvPr/>
-          </p:nvSpPr>
-          <p:spPr>
-            <a:xfrm>
-              <a:off x="-1" y="1032933"/>
-              <a:ext cx="3800702" cy="583434"/>
-            </a:xfrm>
-            <a:prstGeom prst="rect">
-              <a:avLst/>
-            </a:prstGeom>
-            <a:noFill/>
-            <a:ln w="12700" cap="flat">
-              <a:noFill/>
-              <a:miter lim="400000"/>
-            </a:ln>
-            <a:effectLst/>
-            <a:extLst>
-              <a:ext uri="{C572A759-6A51-4108-AA02-DFA0A04FC94B}">
-                <ma14:wrappingTextBoxFlag xmlns:ma14="http://schemas.microsoft.com/office/mac/drawingml/2011/main" xmlns="" val="1"/>
-              </a:ext>
-            </a:extLst>
-          </p:spPr>
-          <p:txBody>
-            <a:bodyPr wrap="square" lIns="91424" tIns="91424" rIns="91424" bIns="91424" numCol="1" anchor="ctr">
-              <a:spAutoFit/>
-            </a:bodyPr>
-            <a:lstStyle>
-              <a:lvl1pPr algn="ctr">
-                <a:defRPr>
-                  <a:solidFill>
-                    <a:srgbClr val="666666"/>
-                  </a:solidFill>
-                </a:defRPr>
-              </a:lvl1pPr>
-            </a:lstStyle>
-            <a:p>
-              <a:r>
-                <a:t>Place any supporting images, graphs, data or extra text here.</a:t>
-              </a:r>
-            </a:p>
-          </p:txBody>
-        </p:sp>
-      </p:grpSp>
       <p:sp>
         <p:nvSpPr>
           <p:cNvPr id="155" name="Note: The data and information in this document is reflective of a hypothetical situation and client. This document is to be used for KPMG Virtual Internship purposes only."/>
@@ -5143,7 +5648,7 @@
 </p:sld>
 </file>
 
-<file path=ppt/slides/slide7.xml><?xml version="1.0" encoding="utf-8"?>
+<file path=ppt/slides/slide8.xml><?xml version="1.0" encoding="utf-8"?>
 <p:sld xmlns:a="http://schemas.openxmlformats.org/drawingml/2006/main" xmlns:r="http://schemas.openxmlformats.org/officeDocument/2006/relationships" xmlns:p="http://schemas.openxmlformats.org/presentationml/2006/main">
   <p:cSld>
     <p:spTree>
@@ -5338,7 +5843,7 @@
 </p:sld>
 </file>
 
-<file path=ppt/slides/slide8.xml><?xml version="1.0" encoding="utf-8"?>
+<file path=ppt/slides/slide9.xml><?xml version="1.0" encoding="utf-8"?>
 <p:sld xmlns:a="http://schemas.openxmlformats.org/drawingml/2006/main" xmlns:r="http://schemas.openxmlformats.org/officeDocument/2006/relationships" xmlns:p="http://schemas.openxmlformats.org/presentationml/2006/main">
   <p:cSld>
     <p:spTree>
@@ -5401,7 +5906,7 @@
         <p:spPr>
           <a:xfrm>
             <a:off x="205025" y="263974"/>
-            <a:ext cx="8565600" cy="758742"/>
+            <a:ext cx="8565600" cy="492410"/>
           </a:xfrm>
           <a:prstGeom prst="rect">
             <a:avLst/>
@@ -5430,8 +5935,14 @@
           </a:lstStyle>
           <a:p>
             <a:r>
+              <a:rPr dirty="0"/>
               <a:t>Appendix</a:t>
             </a:r>
+            <a:r>
+              <a:rPr lang="en-CA" dirty="0"/>
+              <a:t> A: New Features</a:t>
+            </a:r>
+            <a:endParaRPr dirty="0"/>
           </a:p>
         </p:txBody>
       </p:sp>
@@ -5483,12 +5994,488 @@
           </a:p>
         </p:txBody>
       </p:sp>
+      <p:sp>
+        <p:nvSpPr>
+          <p:cNvPr id="6" name="Shape 82">
+            <a:extLst>
+              <a:ext uri="{FF2B5EF4-FFF2-40B4-BE49-F238E27FC236}">
+                <a16:creationId xmlns:a16="http://schemas.microsoft.com/office/drawing/2014/main" id="{AE8423A1-C105-4A8F-AF69-8EE4524292F2}"/>
+              </a:ext>
+            </a:extLst>
+          </p:cNvPr>
+          <p:cNvSpPr/>
+          <p:nvPr/>
+        </p:nvSpPr>
+        <p:spPr>
+          <a:xfrm>
+            <a:off x="221440" y="897934"/>
+            <a:ext cx="8729001" cy="4096217"/>
+          </a:xfrm>
+          <a:prstGeom prst="rect">
+            <a:avLst/>
+          </a:prstGeom>
+          <a:ln w="12700">
+            <a:miter lim="400000"/>
+          </a:ln>
+          <a:extLst>
+            <a:ext uri="{C572A759-6A51-4108-AA02-DFA0A04FC94B}">
+              <ma14:wrappingTextBoxFlag xmlns:ma14="http://schemas.microsoft.com/office/mac/drawingml/2011/main" xmlns="" val="1"/>
+            </a:ext>
+          </a:extLst>
+        </p:spPr>
+        <p:txBody>
+          <a:bodyPr wrap="square" lIns="91424" tIns="91424" rIns="91424" bIns="91424">
+            <a:spAutoFit/>
+          </a:bodyPr>
+          <a:lstStyle>
+            <a:lvl1pPr>
+              <a:lnSpc>
+                <a:spcPct val="115000"/>
+              </a:lnSpc>
+              <a:defRPr sz="1500">
+                <a:latin typeface="Open Sans"/>
+                <a:ea typeface="Open Sans"/>
+                <a:cs typeface="Open Sans"/>
+                <a:sym typeface="Open Sans"/>
+              </a:defRPr>
+            </a:lvl1pPr>
+          </a:lstStyle>
+          <a:p>
+            <a:pPr marL="285750" indent="-285750">
+              <a:buFont typeface="Arial" panose="020B0604020202020204" pitchFamily="34" charset="0"/>
+              <a:buChar char="•"/>
+            </a:pPr>
+            <a:r>
+              <a:rPr lang="en-CA" b="1" u="sng" dirty="0"/>
+              <a:t>Age:</a:t>
+            </a:r>
+            <a:r>
+              <a:rPr lang="en-CA" dirty="0"/>
+              <a:t> current date – DOB</a:t>
+            </a:r>
+          </a:p>
+          <a:p>
+            <a:pPr marL="285750" indent="-285750">
+              <a:buFont typeface="Arial" panose="020B0604020202020204" pitchFamily="34" charset="0"/>
+              <a:buChar char="•"/>
+            </a:pPr>
+            <a:r>
+              <a:rPr lang="en-CA" b="1" u="sng" dirty="0"/>
+              <a:t>Generation: </a:t>
+            </a:r>
+          </a:p>
+          <a:p>
+            <a:pPr marL="1143000" lvl="2" indent="-228600">
+              <a:lnSpc>
+                <a:spcPct val="107000"/>
+              </a:lnSpc>
+              <a:buFont typeface="Wingdings" panose="05000000000000000000" pitchFamily="2" charset="2"/>
+              <a:buChar char=""/>
+            </a:pPr>
+            <a:r>
+              <a:rPr lang="en-CA" sz="1100" dirty="0">
+                <a:latin typeface="Calibri" panose="020F0502020204030204" pitchFamily="34" charset="0"/>
+                <a:cs typeface="Times New Roman" panose="02020603050405020304" pitchFamily="18" charset="0"/>
+              </a:rPr>
+              <a:t>Gen Z, </a:t>
+            </a:r>
+            <a:r>
+              <a:rPr lang="en-CA" sz="1100" dirty="0" err="1">
+                <a:latin typeface="Calibri" panose="020F0502020204030204" pitchFamily="34" charset="0"/>
+                <a:cs typeface="Times New Roman" panose="02020603050405020304" pitchFamily="18" charset="0"/>
+              </a:rPr>
+              <a:t>iGen</a:t>
+            </a:r>
+            <a:r>
+              <a:rPr lang="en-CA" sz="1100" dirty="0">
+                <a:latin typeface="Calibri" panose="020F0502020204030204" pitchFamily="34" charset="0"/>
+                <a:cs typeface="Times New Roman" panose="02020603050405020304" pitchFamily="18" charset="0"/>
+              </a:rPr>
+              <a:t>, or Centennials: Born 1996 – 2015</a:t>
+            </a:r>
+          </a:p>
+          <a:p>
+            <a:pPr marL="1143000" lvl="2" indent="-228600">
+              <a:lnSpc>
+                <a:spcPct val="107000"/>
+              </a:lnSpc>
+              <a:buFont typeface="Wingdings" panose="05000000000000000000" pitchFamily="2" charset="2"/>
+              <a:buChar char=""/>
+            </a:pPr>
+            <a:r>
+              <a:rPr lang="en-CA" sz="1100" dirty="0">
+                <a:latin typeface="Calibri" panose="020F0502020204030204" pitchFamily="34" charset="0"/>
+                <a:cs typeface="Times New Roman" panose="02020603050405020304" pitchFamily="18" charset="0"/>
+              </a:rPr>
+              <a:t>Millennials or Gen </a:t>
+            </a:r>
+            <a:r>
+              <a:rPr lang="en-CA" sz="1100" dirty="0">
+                <a:effectLst/>
+                <a:latin typeface="Calibri" panose="020F0502020204030204" pitchFamily="34" charset="0"/>
+                <a:ea typeface="Calibri" panose="020F0502020204030204" pitchFamily="34" charset="0"/>
+                <a:cs typeface="Times New Roman" panose="02020603050405020304" pitchFamily="18" charset="0"/>
+              </a:rPr>
+              <a:t>Y: Born 1977 – 1995</a:t>
+            </a:r>
+          </a:p>
+          <a:p>
+            <a:pPr marL="1143000" lvl="2" indent="-228600">
+              <a:lnSpc>
+                <a:spcPct val="107000"/>
+              </a:lnSpc>
+              <a:buFont typeface="Wingdings" panose="05000000000000000000" pitchFamily="2" charset="2"/>
+              <a:buChar char=""/>
+            </a:pPr>
+            <a:r>
+              <a:rPr lang="en-CA" sz="1100" dirty="0">
+                <a:effectLst/>
+                <a:latin typeface="Calibri" panose="020F0502020204030204" pitchFamily="34" charset="0"/>
+                <a:ea typeface="Calibri" panose="020F0502020204030204" pitchFamily="34" charset="0"/>
+                <a:cs typeface="Times New Roman" panose="02020603050405020304" pitchFamily="18" charset="0"/>
+              </a:rPr>
+              <a:t>Generation X: Born 1965 – 1976</a:t>
+            </a:r>
+          </a:p>
+          <a:p>
+            <a:pPr marL="1143000" lvl="2" indent="-228600">
+              <a:lnSpc>
+                <a:spcPct val="107000"/>
+              </a:lnSpc>
+              <a:buFont typeface="Wingdings" panose="05000000000000000000" pitchFamily="2" charset="2"/>
+              <a:buChar char=""/>
+            </a:pPr>
+            <a:r>
+              <a:rPr lang="en-CA" sz="1100" dirty="0">
+                <a:effectLst/>
+                <a:latin typeface="Calibri" panose="020F0502020204030204" pitchFamily="34" charset="0"/>
+                <a:ea typeface="Calibri" panose="020F0502020204030204" pitchFamily="34" charset="0"/>
+                <a:cs typeface="Times New Roman" panose="02020603050405020304" pitchFamily="18" charset="0"/>
+              </a:rPr>
+              <a:t>Baby Boomers: Born 1946 – 1964</a:t>
+            </a:r>
+          </a:p>
+          <a:p>
+            <a:pPr marL="1143000" lvl="2" indent="-228600">
+              <a:lnSpc>
+                <a:spcPct val="107000"/>
+              </a:lnSpc>
+              <a:spcAft>
+                <a:spcPts val="800"/>
+              </a:spcAft>
+              <a:buFont typeface="Wingdings" panose="05000000000000000000" pitchFamily="2" charset="2"/>
+              <a:buChar char=""/>
+            </a:pPr>
+            <a:r>
+              <a:rPr lang="en-CA" sz="1100" dirty="0">
+                <a:effectLst/>
+                <a:latin typeface="Calibri" panose="020F0502020204030204" pitchFamily="34" charset="0"/>
+                <a:ea typeface="Calibri" panose="020F0502020204030204" pitchFamily="34" charset="0"/>
+                <a:cs typeface="Times New Roman" panose="02020603050405020304" pitchFamily="18" charset="0"/>
+              </a:rPr>
+              <a:t>Traditionalists or Silent Generation: Born 1945 and before</a:t>
+            </a:r>
+            <a:endParaRPr lang="en-CA" sz="1100" dirty="0"/>
+          </a:p>
+          <a:p>
+            <a:pPr marL="285750" indent="-285750">
+              <a:buFont typeface="Arial" panose="020B0604020202020204" pitchFamily="34" charset="0"/>
+              <a:buChar char="•"/>
+            </a:pPr>
+            <a:r>
+              <a:rPr lang="en-CA" b="1" u="sng" dirty="0" err="1"/>
+              <a:t>Order_Profit</a:t>
+            </a:r>
+            <a:r>
+              <a:rPr lang="en-CA" b="1" u="sng" dirty="0"/>
+              <a:t>:</a:t>
+            </a:r>
+            <a:r>
+              <a:rPr lang="en-CA" dirty="0"/>
+              <a:t>  </a:t>
+            </a:r>
+            <a:r>
+              <a:rPr lang="en-CA" dirty="0" err="1"/>
+              <a:t>list_cost</a:t>
+            </a:r>
+            <a:r>
+              <a:rPr lang="en-CA" dirty="0"/>
+              <a:t> – </a:t>
+            </a:r>
+            <a:r>
+              <a:rPr lang="en-CA" dirty="0" err="1"/>
+              <a:t>standard_cost</a:t>
+            </a:r>
+            <a:endParaRPr lang="en-CA" dirty="0"/>
+          </a:p>
+          <a:p>
+            <a:pPr marL="285750" indent="-285750">
+              <a:buFont typeface="Arial" panose="020B0604020202020204" pitchFamily="34" charset="0"/>
+              <a:buChar char="•"/>
+            </a:pPr>
+            <a:r>
+              <a:rPr lang="en-CA" b="1" u="sng" dirty="0"/>
+              <a:t>Recency: </a:t>
+            </a:r>
+            <a:r>
+              <a:rPr lang="en-CA" dirty="0"/>
+              <a:t>for each customer, last day of all transactions – that customer’s latest transaction</a:t>
+            </a:r>
+          </a:p>
+          <a:p>
+            <a:pPr marL="285750" indent="-285750">
+              <a:buFont typeface="Arial" panose="020B0604020202020204" pitchFamily="34" charset="0"/>
+              <a:buChar char="•"/>
+            </a:pPr>
+            <a:r>
+              <a:rPr lang="en-CA" b="1" u="sng" dirty="0"/>
+              <a:t>Frequency:</a:t>
+            </a:r>
+            <a:r>
+              <a:rPr lang="en-CA" dirty="0"/>
+              <a:t> for each customer, count number of approved orders</a:t>
+            </a:r>
+          </a:p>
+          <a:p>
+            <a:pPr marL="285750" indent="-285750">
+              <a:buFont typeface="Arial" panose="020B0604020202020204" pitchFamily="34" charset="0"/>
+              <a:buChar char="•"/>
+            </a:pPr>
+            <a:r>
+              <a:rPr lang="en-CA" b="1" u="sng" dirty="0"/>
+              <a:t>Monetary:</a:t>
+            </a:r>
+            <a:r>
+              <a:rPr lang="en-CA" dirty="0"/>
+              <a:t> for each customer, sum of money he/she spent (list price)</a:t>
+            </a:r>
+          </a:p>
+          <a:p>
+            <a:pPr marL="285750" indent="-285750">
+              <a:buFont typeface="Arial" panose="020B0604020202020204" pitchFamily="34" charset="0"/>
+              <a:buChar char="•"/>
+            </a:pPr>
+            <a:r>
+              <a:rPr lang="en-CA" b="1" u="sng" dirty="0"/>
+              <a:t>Loyalty:</a:t>
+            </a:r>
+            <a:r>
+              <a:rPr lang="en-CA" dirty="0"/>
+              <a:t> for each customer, last day of all transactions – </a:t>
+            </a:r>
+            <a:r>
+              <a:rPr lang="en-CA" dirty="0" err="1"/>
+              <a:t>product_first_sold_date</a:t>
+            </a:r>
+            <a:endParaRPr lang="en-CA" dirty="0"/>
+          </a:p>
+          <a:p>
+            <a:pPr marL="285750" indent="-285750">
+              <a:buFont typeface="Arial" panose="020B0604020202020204" pitchFamily="34" charset="0"/>
+              <a:buChar char="•"/>
+            </a:pPr>
+            <a:r>
+              <a:rPr lang="en-CA" b="1" u="sng" dirty="0" err="1"/>
+              <a:t>Loyalty_tier</a:t>
+            </a:r>
+            <a:r>
+              <a:rPr lang="en-CA" b="1" u="sng" dirty="0"/>
+              <a:t>:</a:t>
+            </a:r>
+            <a:r>
+              <a:rPr lang="en-CA" dirty="0"/>
+              <a:t> categorized based on </a:t>
+            </a:r>
+            <a:r>
+              <a:rPr lang="en-CA" dirty="0" err="1"/>
+              <a:t>rfm_score</a:t>
+            </a:r>
+            <a:r>
+              <a:rPr lang="en-CA" dirty="0"/>
+              <a:t>** and Loyalty</a:t>
+            </a:r>
+          </a:p>
+          <a:p>
+            <a:pPr marL="285750" indent="-285750">
+              <a:buFont typeface="Arial" panose="020B0604020202020204" pitchFamily="34" charset="0"/>
+              <a:buChar char="•"/>
+            </a:pPr>
+            <a:endParaRPr lang="en-CA" dirty="0"/>
+          </a:p>
+          <a:p>
+            <a:pPr marL="285750" indent="-285750">
+              <a:buFont typeface="Arial" panose="020B0604020202020204" pitchFamily="34" charset="0"/>
+              <a:buChar char="•"/>
+            </a:pPr>
+            <a:endParaRPr lang="en-CA" dirty="0"/>
+          </a:p>
+          <a:p>
+            <a:pPr marL="285750" indent="-285750">
+              <a:buFont typeface="Arial" panose="020B0604020202020204" pitchFamily="34" charset="0"/>
+              <a:buChar char="•"/>
+            </a:pPr>
+            <a:endParaRPr dirty="0"/>
+          </a:p>
+        </p:txBody>
+      </p:sp>
+      <p:sp>
+        <p:nvSpPr>
+          <p:cNvPr id="2" name="TextBox 1">
+            <a:extLst>
+              <a:ext uri="{FF2B5EF4-FFF2-40B4-BE49-F238E27FC236}">
+                <a16:creationId xmlns:a16="http://schemas.microsoft.com/office/drawing/2014/main" id="{F42A439C-1BEA-4480-BFBD-FF0DC31E1046}"/>
+              </a:ext>
+            </a:extLst>
+          </p:cNvPr>
+          <p:cNvSpPr txBox="1"/>
+          <p:nvPr/>
+        </p:nvSpPr>
+        <p:spPr>
+          <a:xfrm>
+            <a:off x="328354" y="4279038"/>
+            <a:ext cx="8318942" cy="430885"/>
+          </a:xfrm>
+          <a:prstGeom prst="rect">
+            <a:avLst/>
+          </a:prstGeom>
+          <a:noFill/>
+          <a:ln w="12700" cap="flat">
+            <a:noFill/>
+            <a:miter lim="400000"/>
+          </a:ln>
+          <a:effectLst/>
+          <a:sp3d/>
+        </p:spPr>
+        <p:style>
+          <a:lnRef idx="0">
+            <a:scrgbClr r="0" g="0" b="0"/>
+          </a:lnRef>
+          <a:fillRef idx="0">
+            <a:scrgbClr r="0" g="0" b="0"/>
+          </a:fillRef>
+          <a:effectRef idx="0">
+            <a:scrgbClr r="0" g="0" b="0"/>
+          </a:effectRef>
+          <a:fontRef idx="none"/>
+        </p:style>
+        <p:txBody>
+          <a:bodyPr rot="0" spcFirstLastPara="1" vertOverflow="overflow" horzOverflow="overflow" vert="horz" wrap="none" lIns="45719" tIns="45719" rIns="45719" bIns="45719" numCol="1" spcCol="38100" rtlCol="0" anchor="t">
+            <a:spAutoFit/>
+          </a:bodyPr>
+          <a:lstStyle/>
+          <a:p>
+            <a:pPr marL="0" marR="0" indent="0" algn="l" defTabSz="914400" rtl="0" fontAlgn="auto" latinLnBrk="0" hangingPunct="0">
+              <a:lnSpc>
+                <a:spcPct val="100000"/>
+              </a:lnSpc>
+              <a:spcBef>
+                <a:spcPts val="0"/>
+              </a:spcBef>
+              <a:spcAft>
+                <a:spcPts val="0"/>
+              </a:spcAft>
+              <a:buClrTx/>
+              <a:buSzTx/>
+              <a:buFontTx/>
+              <a:buNone/>
+              <a:tabLst/>
+            </a:pPr>
+            <a:r>
+              <a:rPr kumimoji="0" lang="en-CA" sz="1100" b="0" i="1" u="none" strike="noStrike" cap="none" spc="0" normalizeH="0" baseline="0" dirty="0">
+                <a:ln>
+                  <a:noFill/>
+                </a:ln>
+                <a:solidFill>
+                  <a:srgbClr val="000000"/>
+                </a:solidFill>
+                <a:effectLst/>
+                <a:uFillTx/>
+                <a:latin typeface="+mn-lt"/>
+                <a:ea typeface="+mn-ea"/>
+                <a:cs typeface="+mn-cs"/>
+                <a:sym typeface="Arial"/>
+              </a:rPr>
+              <a:t>** </a:t>
+            </a:r>
+            <a:r>
+              <a:rPr kumimoji="0" lang="en-CA" sz="1100" b="0" i="1" u="none" strike="noStrike" cap="none" spc="0" normalizeH="0" baseline="0" dirty="0" err="1">
+                <a:ln>
+                  <a:noFill/>
+                </a:ln>
+                <a:solidFill>
+                  <a:srgbClr val="000000"/>
+                </a:solidFill>
+                <a:effectLst/>
+                <a:uFillTx/>
+                <a:latin typeface="+mn-lt"/>
+                <a:ea typeface="+mn-ea"/>
+                <a:cs typeface="+mn-cs"/>
+                <a:sym typeface="Arial"/>
+              </a:rPr>
+              <a:t>rfm_score</a:t>
+            </a:r>
+            <a:r>
+              <a:rPr kumimoji="0" lang="en-CA" sz="1100" b="0" i="1" u="none" strike="noStrike" cap="none" spc="0" normalizeH="0" baseline="0" dirty="0">
+                <a:ln>
+                  <a:noFill/>
+                </a:ln>
+                <a:solidFill>
+                  <a:srgbClr val="000000"/>
+                </a:solidFill>
+                <a:effectLst/>
+                <a:uFillTx/>
+                <a:latin typeface="+mn-lt"/>
+                <a:ea typeface="+mn-ea"/>
+                <a:cs typeface="+mn-cs"/>
+                <a:sym typeface="Arial"/>
+              </a:rPr>
+              <a:t> is generated from recency, frequency, monetary by each dividing r, f, m into 4 quartiles and sum up the quartiles values</a:t>
+            </a:r>
+          </a:p>
+          <a:p>
+            <a:pPr marL="0" marR="0" indent="0" algn="l" defTabSz="914400" rtl="0" fontAlgn="auto" latinLnBrk="0" hangingPunct="0">
+              <a:lnSpc>
+                <a:spcPct val="100000"/>
+              </a:lnSpc>
+              <a:spcBef>
+                <a:spcPts val="0"/>
+              </a:spcBef>
+              <a:spcAft>
+                <a:spcPts val="0"/>
+              </a:spcAft>
+              <a:buClrTx/>
+              <a:buSzTx/>
+              <a:buFontTx/>
+              <a:buNone/>
+              <a:tabLst/>
+            </a:pPr>
+            <a:r>
+              <a:rPr lang="en-CA" sz="1100" i="1" dirty="0"/>
+              <a:t>    Ex:</a:t>
+            </a:r>
+            <a:endParaRPr kumimoji="0" lang="en-CA" sz="1100" b="0" i="1" u="none" strike="noStrike" cap="none" spc="0" normalizeH="0" baseline="0" dirty="0">
+              <a:ln>
+                <a:noFill/>
+              </a:ln>
+              <a:solidFill>
+                <a:srgbClr val="000000"/>
+              </a:solidFill>
+              <a:effectLst/>
+              <a:uFillTx/>
+              <a:latin typeface="+mn-lt"/>
+              <a:ea typeface="+mn-ea"/>
+              <a:cs typeface="+mn-cs"/>
+              <a:sym typeface="Arial"/>
+            </a:endParaRPr>
+          </a:p>
+        </p:txBody>
+      </p:sp>
       <p:pic>
         <p:nvPicPr>
-          <p:cNvPr id="5" name="Picture 4">
+          <p:cNvPr id="4" name="Picture 3">
             <a:extLst>
               <a:ext uri="{FF2B5EF4-FFF2-40B4-BE49-F238E27FC236}">
-                <a16:creationId xmlns:a16="http://schemas.microsoft.com/office/drawing/2014/main" id="{53462EAB-1C0D-4464-A034-000A72AEC709}"/>
+                <a16:creationId xmlns:a16="http://schemas.microsoft.com/office/drawing/2014/main" id="{159F7DA6-DD9B-4C7D-98AB-27D6A62C5EBD}"/>
               </a:ext>
             </a:extLst>
           </p:cNvPr>
@@ -5498,15 +6485,15 @@
           <p:nvPr/>
         </p:nvPicPr>
         <p:blipFill>
-          <a:blip r:embed="rId2"/>
+          <a:blip r:embed="rId3"/>
           <a:stretch>
             <a:fillRect/>
           </a:stretch>
         </p:blipFill>
         <p:spPr>
           <a:xfrm>
-            <a:off x="86670" y="824734"/>
-            <a:ext cx="8945176" cy="4304312"/>
+            <a:off x="815674" y="4514788"/>
+            <a:ext cx="2141107" cy="548175"/>
           </a:xfrm>
           <a:prstGeom prst="rect">
             <a:avLst/>
@@ -5514,6 +6501,11 @@
         </p:spPr>
       </p:pic>
     </p:spTree>
+    <p:extLst>
+      <p:ext uri="{BB962C8B-B14F-4D97-AF65-F5344CB8AC3E}">
+        <p14:creationId xmlns:p14="http://schemas.microsoft.com/office/powerpoint/2010/main" val="3015971501"/>
+      </p:ext>
+    </p:extLst>
   </p:cSld>
   <p:clrMapOvr>
     <a:masterClrMapping/>
